--- a/main.pptx
+++ b/main.pptx
@@ -9,8 +9,11 @@
     <p:sldId id="257" r:id="rId3"/>
     <p:sldId id="261" r:id="rId4"/>
     <p:sldId id="260" r:id="rId5"/>
-    <p:sldId id="258" r:id="rId6"/>
-    <p:sldId id="259" r:id="rId7"/>
+    <p:sldId id="262" r:id="rId6"/>
+    <p:sldId id="264" r:id="rId7"/>
+    <p:sldId id="263" r:id="rId8"/>
+    <p:sldId id="258" r:id="rId9"/>
+    <p:sldId id="259" r:id="rId10"/>
   </p:sldIdLst>
   <p:sldSz cx="12192000" cy="6858000"/>
   <p:notesSz cx="6858000" cy="9144000"/>
@@ -264,7 +267,7 @@
           <a:p>
             <a:fld id="{6DA572BF-5C65-407A-A4EF-D894466553E5}" type="datetimeFigureOut">
               <a:rPr lang="en-US" smtClean="0"/>
-              <a:t>3/12/2024</a:t>
+              <a:t>3/21/2024</a:t>
             </a:fld>
             <a:endParaRPr lang="en-US"/>
           </a:p>
@@ -462,7 +465,7 @@
           <a:p>
             <a:fld id="{6DA572BF-5C65-407A-A4EF-D894466553E5}" type="datetimeFigureOut">
               <a:rPr lang="en-US" smtClean="0"/>
-              <a:t>3/12/2024</a:t>
+              <a:t>3/21/2024</a:t>
             </a:fld>
             <a:endParaRPr lang="en-US"/>
           </a:p>
@@ -670,7 +673,7 @@
           <a:p>
             <a:fld id="{6DA572BF-5C65-407A-A4EF-D894466553E5}" type="datetimeFigureOut">
               <a:rPr lang="en-US" smtClean="0"/>
-              <a:t>3/12/2024</a:t>
+              <a:t>3/21/2024</a:t>
             </a:fld>
             <a:endParaRPr lang="en-US"/>
           </a:p>
@@ -868,7 +871,7 @@
           <a:p>
             <a:fld id="{6DA572BF-5C65-407A-A4EF-D894466553E5}" type="datetimeFigureOut">
               <a:rPr lang="en-US" smtClean="0"/>
-              <a:t>3/12/2024</a:t>
+              <a:t>3/21/2024</a:t>
             </a:fld>
             <a:endParaRPr lang="en-US"/>
           </a:p>
@@ -1143,7 +1146,7 @@
           <a:p>
             <a:fld id="{6DA572BF-5C65-407A-A4EF-D894466553E5}" type="datetimeFigureOut">
               <a:rPr lang="en-US" smtClean="0"/>
-              <a:t>3/12/2024</a:t>
+              <a:t>3/21/2024</a:t>
             </a:fld>
             <a:endParaRPr lang="en-US"/>
           </a:p>
@@ -1408,7 +1411,7 @@
           <a:p>
             <a:fld id="{6DA572BF-5C65-407A-A4EF-D894466553E5}" type="datetimeFigureOut">
               <a:rPr lang="en-US" smtClean="0"/>
-              <a:t>3/12/2024</a:t>
+              <a:t>3/21/2024</a:t>
             </a:fld>
             <a:endParaRPr lang="en-US"/>
           </a:p>
@@ -1820,7 +1823,7 @@
           <a:p>
             <a:fld id="{6DA572BF-5C65-407A-A4EF-D894466553E5}" type="datetimeFigureOut">
               <a:rPr lang="en-US" smtClean="0"/>
-              <a:t>3/12/2024</a:t>
+              <a:t>3/21/2024</a:t>
             </a:fld>
             <a:endParaRPr lang="en-US"/>
           </a:p>
@@ -1961,7 +1964,7 @@
           <a:p>
             <a:fld id="{6DA572BF-5C65-407A-A4EF-D894466553E5}" type="datetimeFigureOut">
               <a:rPr lang="en-US" smtClean="0"/>
-              <a:t>3/12/2024</a:t>
+              <a:t>3/21/2024</a:t>
             </a:fld>
             <a:endParaRPr lang="en-US"/>
           </a:p>
@@ -2074,7 +2077,7 @@
           <a:p>
             <a:fld id="{6DA572BF-5C65-407A-A4EF-D894466553E5}" type="datetimeFigureOut">
               <a:rPr lang="en-US" smtClean="0"/>
-              <a:t>3/12/2024</a:t>
+              <a:t>3/21/2024</a:t>
             </a:fld>
             <a:endParaRPr lang="en-US"/>
           </a:p>
@@ -2385,7 +2388,7 @@
           <a:p>
             <a:fld id="{6DA572BF-5C65-407A-A4EF-D894466553E5}" type="datetimeFigureOut">
               <a:rPr lang="en-US" smtClean="0"/>
-              <a:t>3/12/2024</a:t>
+              <a:t>3/21/2024</a:t>
             </a:fld>
             <a:endParaRPr lang="en-US"/>
           </a:p>
@@ -2673,7 +2676,7 @@
           <a:p>
             <a:fld id="{6DA572BF-5C65-407A-A4EF-D894466553E5}" type="datetimeFigureOut">
               <a:rPr lang="en-US" smtClean="0"/>
-              <a:t>3/12/2024</a:t>
+              <a:t>3/21/2024</a:t>
             </a:fld>
             <a:endParaRPr lang="en-US"/>
           </a:p>
@@ -2914,7 +2917,7 @@
           <a:p>
             <a:fld id="{6DA572BF-5C65-407A-A4EF-D894466553E5}" type="datetimeFigureOut">
               <a:rPr lang="en-US" smtClean="0"/>
-              <a:t>3/12/2024</a:t>
+              <a:t>3/21/2024</a:t>
             </a:fld>
             <a:endParaRPr lang="en-US"/>
           </a:p>
@@ -3707,6 +3710,381 @@
           <p:cNvPr id="2" name="Title 1">
             <a:extLst>
               <a:ext uri="{FF2B5EF4-FFF2-40B4-BE49-F238E27FC236}">
+                <a16:creationId xmlns:a16="http://schemas.microsoft.com/office/drawing/2014/main" id="{10CAC639-11D3-9C22-00E8-65B35AE44D56}"/>
+              </a:ext>
+            </a:extLst>
+          </p:cNvPr>
+          <p:cNvSpPr>
+            <a:spLocks noGrp="1"/>
+          </p:cNvSpPr>
+          <p:nvPr>
+            <p:ph type="title"/>
+          </p:nvPr>
+        </p:nvSpPr>
+        <p:spPr/>
+        <p:txBody>
+          <a:bodyPr/>
+          <a:lstStyle/>
+          <a:p>
+            <a:r>
+              <a:rPr lang="en-US" dirty="0"/>
+              <a:t>Todo </a:t>
+            </a:r>
+            <a:r>
+              <a:rPr lang="en-US" dirty="0" err="1"/>
+              <a:t>hyperparam</a:t>
+            </a:r>
+            <a:r>
+              <a:rPr lang="en-US" dirty="0"/>
+              <a:t>: performer output is logits VS polyphonic VS token</a:t>
+            </a:r>
+          </a:p>
+        </p:txBody>
+      </p:sp>
+      <p:sp>
+        <p:nvSpPr>
+          <p:cNvPr id="3" name="Content Placeholder 2">
+            <a:extLst>
+              <a:ext uri="{FF2B5EF4-FFF2-40B4-BE49-F238E27FC236}">
+                <a16:creationId xmlns:a16="http://schemas.microsoft.com/office/drawing/2014/main" id="{FDC3B5A2-A1CA-CE25-CE56-ED085E823104}"/>
+              </a:ext>
+            </a:extLst>
+          </p:cNvPr>
+          <p:cNvSpPr>
+            <a:spLocks noGrp="1"/>
+          </p:cNvSpPr>
+          <p:nvPr>
+            <p:ph idx="1"/>
+          </p:nvPr>
+        </p:nvSpPr>
+        <p:spPr/>
+        <p:txBody>
+          <a:bodyPr/>
+          <a:lstStyle/>
+          <a:p>
+            <a:r>
+              <a:rPr lang="en-US" dirty="0"/>
+              <a:t>Method 1: Logits</a:t>
+            </a:r>
+          </a:p>
+          <a:p>
+            <a:pPr lvl="1"/>
+            <a:r>
+              <a:rPr lang="en-US" dirty="0"/>
+              <a:t>A distribution over monophonic pitches.</a:t>
+            </a:r>
+          </a:p>
+          <a:p>
+            <a:pPr lvl="1"/>
+            <a:r>
+              <a:rPr lang="en-US" dirty="0"/>
+              <a:t>Use MC sampling to traverse the distribution</a:t>
+            </a:r>
+            <a:r>
+              <a:rPr lang="en-US"/>
+              <a:t>. </a:t>
+            </a:r>
+          </a:p>
+          <a:p>
+            <a:r>
+              <a:rPr lang="en-US"/>
+              <a:t>Method </a:t>
+            </a:r>
+            <a:r>
+              <a:rPr lang="en-US" dirty="0"/>
+              <a:t>2: polyphonic</a:t>
+            </a:r>
+          </a:p>
+          <a:p>
+            <a:pPr lvl="1"/>
+            <a:r>
+              <a:rPr lang="en-US" dirty="0"/>
+              <a:t>A signal-level sum of monophonic pitches.</a:t>
+            </a:r>
+          </a:p>
+          <a:p>
+            <a:pPr lvl="1"/>
+            <a:r>
+              <a:rPr lang="en-US" dirty="0"/>
+              <a:t>The summing operation in the spectrogram space / </a:t>
+            </a:r>
+            <a:r>
+              <a:rPr lang="en-US" dirty="0" err="1"/>
+              <a:t>encodec</a:t>
+            </a:r>
+            <a:r>
+              <a:rPr lang="en-US" dirty="0"/>
+              <a:t> </a:t>
+            </a:r>
+            <a:r>
+              <a:rPr lang="en-US" dirty="0" err="1"/>
+              <a:t>repr</a:t>
+            </a:r>
+            <a:r>
+              <a:rPr lang="en-US" dirty="0"/>
+              <a:t> space intuitively has good gradient properties. </a:t>
+            </a:r>
+          </a:p>
+          <a:p>
+            <a:r>
+              <a:rPr lang="en-US" dirty="0"/>
+              <a:t>Method 3: </a:t>
+            </a:r>
+            <a:r>
+              <a:rPr lang="en-US" dirty="0" err="1"/>
+              <a:t>encodec</a:t>
+            </a:r>
+            <a:r>
+              <a:rPr lang="en-US" dirty="0"/>
+              <a:t> token</a:t>
+            </a:r>
+          </a:p>
+          <a:p>
+            <a:pPr lvl="1"/>
+            <a:r>
+              <a:rPr lang="en-US" dirty="0"/>
+              <a:t>This point estimation may be able to travel in the </a:t>
+            </a:r>
+            <a:r>
+              <a:rPr lang="en-US" dirty="0" err="1"/>
+              <a:t>repr</a:t>
+            </a:r>
+            <a:r>
+              <a:rPr lang="en-US" dirty="0"/>
+              <a:t> space with good gradient properties.</a:t>
+            </a:r>
+          </a:p>
+        </p:txBody>
+      </p:sp>
+    </p:spTree>
+    <p:extLst>
+      <p:ext uri="{BB962C8B-B14F-4D97-AF65-F5344CB8AC3E}">
+        <p14:creationId xmlns:p14="http://schemas.microsoft.com/office/powerpoint/2010/main" val="2471011019"/>
+      </p:ext>
+    </p:extLst>
+  </p:cSld>
+  <p:clrMapOvr>
+    <a:masterClrMapping/>
+  </p:clrMapOvr>
+</p:sld>
+</file>
+
+<file path=ppt/slides/slide6.xml><?xml version="1.0" encoding="utf-8"?>
+<p:sld xmlns:a="http://schemas.openxmlformats.org/drawingml/2006/main" xmlns:r="http://schemas.openxmlformats.org/officeDocument/2006/relationships" xmlns:p="http://schemas.openxmlformats.org/presentationml/2006/main">
+  <p:cSld>
+    <p:spTree>
+      <p:nvGrpSpPr>
+        <p:cNvPr id="1" name=""/>
+        <p:cNvGrpSpPr/>
+        <p:nvPr/>
+      </p:nvGrpSpPr>
+      <p:grpSpPr>
+        <a:xfrm>
+          <a:off x="0" y="0"/>
+          <a:ext cx="0" cy="0"/>
+          <a:chOff x="0" y="0"/>
+          <a:chExt cx="0" cy="0"/>
+        </a:xfrm>
+      </p:grpSpPr>
+      <p:sp>
+        <p:nvSpPr>
+          <p:cNvPr id="2" name="Title 1">
+            <a:extLst>
+              <a:ext uri="{FF2B5EF4-FFF2-40B4-BE49-F238E27FC236}">
+                <a16:creationId xmlns:a16="http://schemas.microsoft.com/office/drawing/2014/main" id="{43A7C22A-3662-EBF1-F579-9E365B61ADDD}"/>
+              </a:ext>
+            </a:extLst>
+          </p:cNvPr>
+          <p:cNvSpPr>
+            <a:spLocks noGrp="1"/>
+          </p:cNvSpPr>
+          <p:nvPr>
+            <p:ph type="title"/>
+          </p:nvPr>
+        </p:nvSpPr>
+        <p:spPr/>
+        <p:txBody>
+          <a:bodyPr/>
+          <a:lstStyle/>
+          <a:p>
+            <a:r>
+              <a:rPr lang="en-US" dirty="0"/>
+              <a:t>Todo: what can MusicGen text condition do?</a:t>
+            </a:r>
+          </a:p>
+        </p:txBody>
+      </p:sp>
+      <p:sp>
+        <p:nvSpPr>
+          <p:cNvPr id="3" name="Content Placeholder 2">
+            <a:extLst>
+              <a:ext uri="{FF2B5EF4-FFF2-40B4-BE49-F238E27FC236}">
+                <a16:creationId xmlns:a16="http://schemas.microsoft.com/office/drawing/2014/main" id="{045A7BE8-F93C-8A7F-69CF-030829A2E616}"/>
+              </a:ext>
+            </a:extLst>
+          </p:cNvPr>
+          <p:cNvSpPr>
+            <a:spLocks noGrp="1"/>
+          </p:cNvSpPr>
+          <p:nvPr>
+            <p:ph idx="1"/>
+          </p:nvPr>
+        </p:nvSpPr>
+        <p:spPr/>
+        <p:txBody>
+          <a:bodyPr/>
+          <a:lstStyle/>
+          <a:p>
+            <a:r>
+              <a:rPr lang="en-US" dirty="0"/>
+              <a:t>?</a:t>
+            </a:r>
+          </a:p>
+        </p:txBody>
+      </p:sp>
+    </p:spTree>
+    <p:extLst>
+      <p:ext uri="{BB962C8B-B14F-4D97-AF65-F5344CB8AC3E}">
+        <p14:creationId xmlns:p14="http://schemas.microsoft.com/office/powerpoint/2010/main" val="397748489"/>
+      </p:ext>
+    </p:extLst>
+  </p:cSld>
+  <p:clrMapOvr>
+    <a:masterClrMapping/>
+  </p:clrMapOvr>
+</p:sld>
+</file>
+
+<file path=ppt/slides/slide7.xml><?xml version="1.0" encoding="utf-8"?>
+<p:sld xmlns:a="http://schemas.openxmlformats.org/drawingml/2006/main" xmlns:r="http://schemas.openxmlformats.org/officeDocument/2006/relationships" xmlns:p="http://schemas.openxmlformats.org/presentationml/2006/main">
+  <p:cSld>
+    <p:spTree>
+      <p:nvGrpSpPr>
+        <p:cNvPr id="1" name=""/>
+        <p:cNvGrpSpPr/>
+        <p:nvPr/>
+      </p:nvGrpSpPr>
+      <p:grpSpPr>
+        <a:xfrm>
+          <a:off x="0" y="0"/>
+          <a:ext cx="0" cy="0"/>
+          <a:chOff x="0" y="0"/>
+          <a:chExt cx="0" cy="0"/>
+        </a:xfrm>
+      </p:grpSpPr>
+      <p:sp>
+        <p:nvSpPr>
+          <p:cNvPr id="2" name="Title 1">
+            <a:extLst>
+              <a:ext uri="{FF2B5EF4-FFF2-40B4-BE49-F238E27FC236}">
+                <a16:creationId xmlns:a16="http://schemas.microsoft.com/office/drawing/2014/main" id="{B9D740D4-9844-EDFF-0D76-751D47746D5F}"/>
+              </a:ext>
+            </a:extLst>
+          </p:cNvPr>
+          <p:cNvSpPr>
+            <a:spLocks noGrp="1"/>
+          </p:cNvSpPr>
+          <p:nvPr>
+            <p:ph type="title"/>
+          </p:nvPr>
+        </p:nvSpPr>
+        <p:spPr/>
+        <p:txBody>
+          <a:bodyPr/>
+          <a:lstStyle/>
+          <a:p>
+            <a:r>
+              <a:rPr lang="en-US" dirty="0"/>
+              <a:t>Todo </a:t>
+            </a:r>
+            <a:r>
+              <a:rPr lang="en-US" dirty="0" err="1"/>
+              <a:t>hyperparam</a:t>
+            </a:r>
+            <a:r>
+              <a:rPr lang="en-US" dirty="0"/>
+              <a:t>: instrument in the loop?</a:t>
+            </a:r>
+          </a:p>
+        </p:txBody>
+      </p:sp>
+      <p:sp>
+        <p:nvSpPr>
+          <p:cNvPr id="3" name="Content Placeholder 2">
+            <a:extLst>
+              <a:ext uri="{FF2B5EF4-FFF2-40B4-BE49-F238E27FC236}">
+                <a16:creationId xmlns:a16="http://schemas.microsoft.com/office/drawing/2014/main" id="{15BCC0E9-FA14-5C9E-DDCB-6BB090298995}"/>
+              </a:ext>
+            </a:extLst>
+          </p:cNvPr>
+          <p:cNvSpPr>
+            <a:spLocks noGrp="1"/>
+          </p:cNvSpPr>
+          <p:nvPr>
+            <p:ph idx="1"/>
+          </p:nvPr>
+        </p:nvSpPr>
+        <p:spPr/>
+        <p:txBody>
+          <a:bodyPr/>
+          <a:lstStyle/>
+          <a:p>
+            <a:r>
+              <a:rPr lang="en-US" dirty="0"/>
+              <a:t>Method 1: Give piano.</a:t>
+            </a:r>
+          </a:p>
+          <a:p>
+            <a:r>
+              <a:rPr lang="en-US" dirty="0"/>
+              <a:t>Method 2: Don’t. The performer may synthesize arbitrary sounds / </a:t>
+            </a:r>
+            <a:r>
+              <a:rPr lang="en-US" dirty="0" err="1"/>
+              <a:t>encodec</a:t>
+            </a:r>
+            <a:r>
+              <a:rPr lang="en-US" dirty="0"/>
+              <a:t> tokens.</a:t>
+            </a:r>
+          </a:p>
+        </p:txBody>
+      </p:sp>
+    </p:spTree>
+    <p:extLst>
+      <p:ext uri="{BB962C8B-B14F-4D97-AF65-F5344CB8AC3E}">
+        <p14:creationId xmlns:p14="http://schemas.microsoft.com/office/powerpoint/2010/main" val="3214296937"/>
+      </p:ext>
+    </p:extLst>
+  </p:cSld>
+  <p:clrMapOvr>
+    <a:masterClrMapping/>
+  </p:clrMapOvr>
+</p:sld>
+</file>
+
+<file path=ppt/slides/slide8.xml><?xml version="1.0" encoding="utf-8"?>
+<p:sld xmlns:a="http://schemas.openxmlformats.org/drawingml/2006/main" xmlns:r="http://schemas.openxmlformats.org/officeDocument/2006/relationships" xmlns:p="http://schemas.openxmlformats.org/presentationml/2006/main">
+  <p:cSld>
+    <p:spTree>
+      <p:nvGrpSpPr>
+        <p:cNvPr id="1" name=""/>
+        <p:cNvGrpSpPr/>
+        <p:nvPr/>
+      </p:nvGrpSpPr>
+      <p:grpSpPr>
+        <a:xfrm>
+          <a:off x="0" y="0"/>
+          <a:ext cx="0" cy="0"/>
+          <a:chOff x="0" y="0"/>
+          <a:chExt cx="0" cy="0"/>
+        </a:xfrm>
+      </p:grpSpPr>
+      <p:sp>
+        <p:nvSpPr>
+          <p:cNvPr id="2" name="Title 1">
+            <a:extLst>
+              <a:ext uri="{FF2B5EF4-FFF2-40B4-BE49-F238E27FC236}">
                 <a16:creationId xmlns:a16="http://schemas.microsoft.com/office/drawing/2014/main" id="{E61403B4-A8A1-9037-53F9-2EADA3BC7D1A}"/>
               </a:ext>
             </a:extLst>
@@ -3771,7 +4149,7 @@
 </p:sld>
 </file>
 
-<file path=ppt/slides/slide6.xml><?xml version="1.0" encoding="utf-8"?>
+<file path=ppt/slides/slide9.xml><?xml version="1.0" encoding="utf-8"?>
 <p:sld xmlns:a="http://schemas.openxmlformats.org/drawingml/2006/main" xmlns:r="http://schemas.openxmlformats.org/officeDocument/2006/relationships" xmlns:p="http://schemas.openxmlformats.org/presentationml/2006/main">
   <p:cSld>
     <p:spTree>

--- a/main.pptx
+++ b/main.pptx
@@ -10,10 +10,11 @@
     <p:sldId id="261" r:id="rId4"/>
     <p:sldId id="260" r:id="rId5"/>
     <p:sldId id="262" r:id="rId6"/>
-    <p:sldId id="264" r:id="rId7"/>
-    <p:sldId id="263" r:id="rId8"/>
-    <p:sldId id="258" r:id="rId9"/>
-    <p:sldId id="259" r:id="rId10"/>
+    <p:sldId id="265" r:id="rId7"/>
+    <p:sldId id="264" r:id="rId8"/>
+    <p:sldId id="263" r:id="rId9"/>
+    <p:sldId id="258" r:id="rId10"/>
+    <p:sldId id="259" r:id="rId11"/>
   </p:sldIdLst>
   <p:sldSz cx="12192000" cy="6858000"/>
   <p:notesSz cx="6858000" cy="9144000"/>
@@ -267,7 +268,7 @@
           <a:p>
             <a:fld id="{6DA572BF-5C65-407A-A4EF-D894466553E5}" type="datetimeFigureOut">
               <a:rPr lang="en-US" smtClean="0"/>
-              <a:t>3/21/2024</a:t>
+              <a:t>3/27/2024</a:t>
             </a:fld>
             <a:endParaRPr lang="en-US"/>
           </a:p>
@@ -465,7 +466,7 @@
           <a:p>
             <a:fld id="{6DA572BF-5C65-407A-A4EF-D894466553E5}" type="datetimeFigureOut">
               <a:rPr lang="en-US" smtClean="0"/>
-              <a:t>3/21/2024</a:t>
+              <a:t>3/27/2024</a:t>
             </a:fld>
             <a:endParaRPr lang="en-US"/>
           </a:p>
@@ -673,7 +674,7 @@
           <a:p>
             <a:fld id="{6DA572BF-5C65-407A-A4EF-D894466553E5}" type="datetimeFigureOut">
               <a:rPr lang="en-US" smtClean="0"/>
-              <a:t>3/21/2024</a:t>
+              <a:t>3/27/2024</a:t>
             </a:fld>
             <a:endParaRPr lang="en-US"/>
           </a:p>
@@ -871,7 +872,7 @@
           <a:p>
             <a:fld id="{6DA572BF-5C65-407A-A4EF-D894466553E5}" type="datetimeFigureOut">
               <a:rPr lang="en-US" smtClean="0"/>
-              <a:t>3/21/2024</a:t>
+              <a:t>3/27/2024</a:t>
             </a:fld>
             <a:endParaRPr lang="en-US"/>
           </a:p>
@@ -1146,7 +1147,7 @@
           <a:p>
             <a:fld id="{6DA572BF-5C65-407A-A4EF-D894466553E5}" type="datetimeFigureOut">
               <a:rPr lang="en-US" smtClean="0"/>
-              <a:t>3/21/2024</a:t>
+              <a:t>3/27/2024</a:t>
             </a:fld>
             <a:endParaRPr lang="en-US"/>
           </a:p>
@@ -1411,7 +1412,7 @@
           <a:p>
             <a:fld id="{6DA572BF-5C65-407A-A4EF-D894466553E5}" type="datetimeFigureOut">
               <a:rPr lang="en-US" smtClean="0"/>
-              <a:t>3/21/2024</a:t>
+              <a:t>3/27/2024</a:t>
             </a:fld>
             <a:endParaRPr lang="en-US"/>
           </a:p>
@@ -1823,7 +1824,7 @@
           <a:p>
             <a:fld id="{6DA572BF-5C65-407A-A4EF-D894466553E5}" type="datetimeFigureOut">
               <a:rPr lang="en-US" smtClean="0"/>
-              <a:t>3/21/2024</a:t>
+              <a:t>3/27/2024</a:t>
             </a:fld>
             <a:endParaRPr lang="en-US"/>
           </a:p>
@@ -1964,7 +1965,7 @@
           <a:p>
             <a:fld id="{6DA572BF-5C65-407A-A4EF-D894466553E5}" type="datetimeFigureOut">
               <a:rPr lang="en-US" smtClean="0"/>
-              <a:t>3/21/2024</a:t>
+              <a:t>3/27/2024</a:t>
             </a:fld>
             <a:endParaRPr lang="en-US"/>
           </a:p>
@@ -2077,7 +2078,7 @@
           <a:p>
             <a:fld id="{6DA572BF-5C65-407A-A4EF-D894466553E5}" type="datetimeFigureOut">
               <a:rPr lang="en-US" smtClean="0"/>
-              <a:t>3/21/2024</a:t>
+              <a:t>3/27/2024</a:t>
             </a:fld>
             <a:endParaRPr lang="en-US"/>
           </a:p>
@@ -2388,7 +2389,7 @@
           <a:p>
             <a:fld id="{6DA572BF-5C65-407A-A4EF-D894466553E5}" type="datetimeFigureOut">
               <a:rPr lang="en-US" smtClean="0"/>
-              <a:t>3/21/2024</a:t>
+              <a:t>3/27/2024</a:t>
             </a:fld>
             <a:endParaRPr lang="en-US"/>
           </a:p>
@@ -2676,7 +2677,7 @@
           <a:p>
             <a:fld id="{6DA572BF-5C65-407A-A4EF-D894466553E5}" type="datetimeFigureOut">
               <a:rPr lang="en-US" smtClean="0"/>
-              <a:t>3/21/2024</a:t>
+              <a:t>3/27/2024</a:t>
             </a:fld>
             <a:endParaRPr lang="en-US"/>
           </a:p>
@@ -2917,7 +2918,7 @@
           <a:p>
             <a:fld id="{6DA572BF-5C65-407A-A4EF-D894466553E5}" type="datetimeFigureOut">
               <a:rPr lang="en-US" smtClean="0"/>
-              <a:t>3/21/2024</a:t>
+              <a:t>3/27/2024</a:t>
             </a:fld>
             <a:endParaRPr lang="en-US"/>
           </a:p>
@@ -3400,6 +3401,127 @@
 </p:sld>
 </file>
 
+<file path=ppt/slides/slide10.xml><?xml version="1.0" encoding="utf-8"?>
+<p:sld xmlns:a="http://schemas.openxmlformats.org/drawingml/2006/main" xmlns:r="http://schemas.openxmlformats.org/officeDocument/2006/relationships" xmlns:p="http://schemas.openxmlformats.org/presentationml/2006/main">
+  <p:cSld>
+    <p:spTree>
+      <p:nvGrpSpPr>
+        <p:cNvPr id="1" name=""/>
+        <p:cNvGrpSpPr/>
+        <p:nvPr/>
+      </p:nvGrpSpPr>
+      <p:grpSpPr>
+        <a:xfrm>
+          <a:off x="0" y="0"/>
+          <a:ext cx="0" cy="0"/>
+          <a:chOff x="0" y="0"/>
+          <a:chExt cx="0" cy="0"/>
+        </a:xfrm>
+      </p:grpSpPr>
+      <p:sp>
+        <p:nvSpPr>
+          <p:cNvPr id="2" name="Title 1">
+            <a:extLst>
+              <a:ext uri="{FF2B5EF4-FFF2-40B4-BE49-F238E27FC236}">
+                <a16:creationId xmlns:a16="http://schemas.microsoft.com/office/drawing/2014/main" id="{3474582A-FF1C-091D-C4C0-18F5185C18A6}"/>
+              </a:ext>
+            </a:extLst>
+          </p:cNvPr>
+          <p:cNvSpPr>
+            <a:spLocks noGrp="1"/>
+          </p:cNvSpPr>
+          <p:nvPr>
+            <p:ph type="title"/>
+          </p:nvPr>
+        </p:nvSpPr>
+        <p:spPr/>
+        <p:txBody>
+          <a:bodyPr>
+            <a:normAutofit fontScale="90000"/>
+          </a:bodyPr>
+          <a:lstStyle/>
+          <a:p>
+            <a:r>
+              <a:rPr lang="en-US" dirty="0"/>
+              <a:t>Forsaken experiment: </a:t>
+            </a:r>
+            <a:r>
+              <a:rPr lang="en-US" dirty="0" err="1"/>
+              <a:t>musicgen</a:t>
+            </a:r>
+            <a:r>
+              <a:rPr lang="en-US" dirty="0"/>
+              <a:t> but every frame is the average of two sampled predictions.</a:t>
+            </a:r>
+          </a:p>
+        </p:txBody>
+      </p:sp>
+      <p:sp>
+        <p:nvSpPr>
+          <p:cNvPr id="3" name="Content Placeholder 2">
+            <a:extLst>
+              <a:ext uri="{FF2B5EF4-FFF2-40B4-BE49-F238E27FC236}">
+                <a16:creationId xmlns:a16="http://schemas.microsoft.com/office/drawing/2014/main" id="{E2E88549-83F9-64B5-A11A-3FE21D14C828}"/>
+              </a:ext>
+            </a:extLst>
+          </p:cNvPr>
+          <p:cNvSpPr>
+            <a:spLocks noGrp="1"/>
+          </p:cNvSpPr>
+          <p:nvPr>
+            <p:ph idx="1"/>
+          </p:nvPr>
+        </p:nvSpPr>
+        <p:spPr/>
+        <p:txBody>
+          <a:bodyPr/>
+          <a:lstStyle/>
+          <a:p>
+            <a:r>
+              <a:rPr lang="en-US" dirty="0"/>
+              <a:t>Dan’s intuition about music.</a:t>
+            </a:r>
+          </a:p>
+          <a:p>
+            <a:r>
+              <a:rPr lang="en-US" dirty="0"/>
+              <a:t>Prob of triggering per frame.</a:t>
+            </a:r>
+          </a:p>
+          <a:p>
+            <a:r>
+              <a:rPr lang="en-US" dirty="0"/>
+              <a:t>Forsaken because: </a:t>
+            </a:r>
+            <a:r>
+              <a:rPr lang="en-US" altLang="zh-CN" dirty="0"/>
+              <a:t>music gen </a:t>
+            </a:r>
+            <a:r>
+              <a:rPr lang="zh-CN" altLang="en-US" dirty="0"/>
+              <a:t>拧 </a:t>
+            </a:r>
+            <a:r>
+              <a:rPr lang="en-US" altLang="zh-CN" dirty="0"/>
+              <a:t>(RVQ tokens are offset during autoregression). Not clear how to implement this exp.</a:t>
+            </a:r>
+            <a:endParaRPr lang="en-US" dirty="0"/>
+          </a:p>
+        </p:txBody>
+      </p:sp>
+    </p:spTree>
+    <p:extLst>
+      <p:ext uri="{BB962C8B-B14F-4D97-AF65-F5344CB8AC3E}">
+        <p14:creationId xmlns:p14="http://schemas.microsoft.com/office/powerpoint/2010/main" val="2473629010"/>
+      </p:ext>
+    </p:extLst>
+  </p:cSld>
+  <p:clrMapOvr>
+    <a:masterClrMapping/>
+  </p:clrMapOvr>
+</p:sld>
+</file>
+
 <file path=ppt/slides/slide2.xml><?xml version="1.0" encoding="utf-8"?>
 <p:sld xmlns:a="http://schemas.openxmlformats.org/drawingml/2006/main" xmlns:r="http://schemas.openxmlformats.org/officeDocument/2006/relationships" xmlns:p="http://schemas.openxmlformats.org/presentationml/2006/main">
   <p:cSld>
@@ -3891,7 +4013,7 @@
           <p:cNvPr id="2" name="Title 1">
             <a:extLst>
               <a:ext uri="{FF2B5EF4-FFF2-40B4-BE49-F238E27FC236}">
-                <a16:creationId xmlns:a16="http://schemas.microsoft.com/office/drawing/2014/main" id="{43A7C22A-3662-EBF1-F579-9E365B61ADDD}"/>
+                <a16:creationId xmlns:a16="http://schemas.microsoft.com/office/drawing/2014/main" id="{10CAC639-11D3-9C22-00E8-65B35AE44D56}"/>
               </a:ext>
             </a:extLst>
           </p:cNvPr>
@@ -3909,7 +4031,15 @@
           <a:p>
             <a:r>
               <a:rPr lang="en-US" dirty="0"/>
-              <a:t>Todo: what can MusicGen text condition do?</a:t>
+              <a:t>Todo </a:t>
+            </a:r>
+            <a:r>
+              <a:rPr lang="en-US" dirty="0" err="1"/>
+              <a:t>hyperparam</a:t>
+            </a:r>
+            <a:r>
+              <a:rPr lang="en-US" dirty="0"/>
+              <a:t>: transformer piano input encoder time/velocity input</a:t>
             </a:r>
           </a:p>
         </p:txBody>
@@ -3919,7 +4049,7 @@
           <p:cNvPr id="3" name="Content Placeholder 2">
             <a:extLst>
               <a:ext uri="{FF2B5EF4-FFF2-40B4-BE49-F238E27FC236}">
-                <a16:creationId xmlns:a16="http://schemas.microsoft.com/office/drawing/2014/main" id="{045A7BE8-F93C-8A7F-69CF-030829A2E616}"/>
+                <a16:creationId xmlns:a16="http://schemas.microsoft.com/office/drawing/2014/main" id="{FDC3B5A2-A1CA-CE25-CE56-ED085E823104}"/>
               </a:ext>
             </a:extLst>
           </p:cNvPr>
@@ -3937,7 +4067,13 @@
           <a:p>
             <a:r>
               <a:rPr lang="en-US" dirty="0"/>
-              <a:t>?</a:t>
+              <a:t>Method 1: Real number</a:t>
+            </a:r>
+          </a:p>
+          <a:p>
+            <a:r>
+              <a:rPr lang="en-US" dirty="0"/>
+              <a:t>Method 2: One-hot</a:t>
             </a:r>
           </a:p>
         </p:txBody>
@@ -3945,7 +4081,7 @@
     </p:spTree>
     <p:extLst>
       <p:ext uri="{BB962C8B-B14F-4D97-AF65-F5344CB8AC3E}">
-        <p14:creationId xmlns:p14="http://schemas.microsoft.com/office/powerpoint/2010/main" val="397748489"/>
+        <p14:creationId xmlns:p14="http://schemas.microsoft.com/office/powerpoint/2010/main" val="46568488"/>
       </p:ext>
     </p:extLst>
   </p:cSld>
@@ -3977,7 +4113,7 @@
           <p:cNvPr id="2" name="Title 1">
             <a:extLst>
               <a:ext uri="{FF2B5EF4-FFF2-40B4-BE49-F238E27FC236}">
-                <a16:creationId xmlns:a16="http://schemas.microsoft.com/office/drawing/2014/main" id="{B9D740D4-9844-EDFF-0D76-751D47746D5F}"/>
+                <a16:creationId xmlns:a16="http://schemas.microsoft.com/office/drawing/2014/main" id="{43A7C22A-3662-EBF1-F579-9E365B61ADDD}"/>
               </a:ext>
             </a:extLst>
           </p:cNvPr>
@@ -3995,57 +4131,35 @@
           <a:p>
             <a:r>
               <a:rPr lang="en-US" dirty="0"/>
-              <a:t>Todo </a:t>
-            </a:r>
-            <a:r>
-              <a:rPr lang="en-US" dirty="0" err="1"/>
-              <a:t>hyperparam</a:t>
-            </a:r>
+              <a:t>Todo: what can MusicGen text condition do?</a:t>
+            </a:r>
+          </a:p>
+        </p:txBody>
+      </p:sp>
+      <p:sp>
+        <p:nvSpPr>
+          <p:cNvPr id="3" name="Content Placeholder 2">
+            <a:extLst>
+              <a:ext uri="{FF2B5EF4-FFF2-40B4-BE49-F238E27FC236}">
+                <a16:creationId xmlns:a16="http://schemas.microsoft.com/office/drawing/2014/main" id="{045A7BE8-F93C-8A7F-69CF-030829A2E616}"/>
+              </a:ext>
+            </a:extLst>
+          </p:cNvPr>
+          <p:cNvSpPr>
+            <a:spLocks noGrp="1"/>
+          </p:cNvSpPr>
+          <p:nvPr>
+            <p:ph idx="1"/>
+          </p:nvPr>
+        </p:nvSpPr>
+        <p:spPr/>
+        <p:txBody>
+          <a:bodyPr/>
+          <a:lstStyle/>
+          <a:p>
             <a:r>
               <a:rPr lang="en-US" dirty="0"/>
-              <a:t>: instrument in the loop?</a:t>
-            </a:r>
-          </a:p>
-        </p:txBody>
-      </p:sp>
-      <p:sp>
-        <p:nvSpPr>
-          <p:cNvPr id="3" name="Content Placeholder 2">
-            <a:extLst>
-              <a:ext uri="{FF2B5EF4-FFF2-40B4-BE49-F238E27FC236}">
-                <a16:creationId xmlns:a16="http://schemas.microsoft.com/office/drawing/2014/main" id="{15BCC0E9-FA14-5C9E-DDCB-6BB090298995}"/>
-              </a:ext>
-            </a:extLst>
-          </p:cNvPr>
-          <p:cNvSpPr>
-            <a:spLocks noGrp="1"/>
-          </p:cNvSpPr>
-          <p:nvPr>
-            <p:ph idx="1"/>
-          </p:nvPr>
-        </p:nvSpPr>
-        <p:spPr/>
-        <p:txBody>
-          <a:bodyPr/>
-          <a:lstStyle/>
-          <a:p>
-            <a:r>
-              <a:rPr lang="en-US" dirty="0"/>
-              <a:t>Method 1: Give piano.</a:t>
-            </a:r>
-          </a:p>
-          <a:p>
-            <a:r>
-              <a:rPr lang="en-US" dirty="0"/>
-              <a:t>Method 2: Don’t. The performer may synthesize arbitrary sounds / </a:t>
-            </a:r>
-            <a:r>
-              <a:rPr lang="en-US" dirty="0" err="1"/>
-              <a:t>encodec</a:t>
-            </a:r>
-            <a:r>
-              <a:rPr lang="en-US" dirty="0"/>
-              <a:t> tokens.</a:t>
+              <a:t>?</a:t>
             </a:r>
           </a:p>
         </p:txBody>
@@ -4053,7 +4167,7 @@
     </p:spTree>
     <p:extLst>
       <p:ext uri="{BB962C8B-B14F-4D97-AF65-F5344CB8AC3E}">
-        <p14:creationId xmlns:p14="http://schemas.microsoft.com/office/powerpoint/2010/main" val="3214296937"/>
+        <p14:creationId xmlns:p14="http://schemas.microsoft.com/office/powerpoint/2010/main" val="397748489"/>
       </p:ext>
     </p:extLst>
   </p:cSld>
@@ -4085,7 +4199,7 @@
           <p:cNvPr id="2" name="Title 1">
             <a:extLst>
               <a:ext uri="{FF2B5EF4-FFF2-40B4-BE49-F238E27FC236}">
-                <a16:creationId xmlns:a16="http://schemas.microsoft.com/office/drawing/2014/main" id="{E61403B4-A8A1-9037-53F9-2EADA3BC7D1A}"/>
+                <a16:creationId xmlns:a16="http://schemas.microsoft.com/office/drawing/2014/main" id="{B9D740D4-9844-EDFF-0D76-751D47746D5F}"/>
               </a:ext>
             </a:extLst>
           </p:cNvPr>
@@ -4103,7 +4217,15 @@
           <a:p>
             <a:r>
               <a:rPr lang="en-US" dirty="0"/>
-              <a:t>Forsaken exp: numerically verify the correctness of RVQ grad estimation.</a:t>
+              <a:t>Todo </a:t>
+            </a:r>
+            <a:r>
+              <a:rPr lang="en-US" dirty="0" err="1"/>
+              <a:t>hyperparam</a:t>
+            </a:r>
+            <a:r>
+              <a:rPr lang="en-US" dirty="0"/>
+              <a:t>: instrument in the loop?</a:t>
             </a:r>
           </a:p>
         </p:txBody>
@@ -4113,7 +4235,7 @@
           <p:cNvPr id="3" name="Content Placeholder 2">
             <a:extLst>
               <a:ext uri="{FF2B5EF4-FFF2-40B4-BE49-F238E27FC236}">
-                <a16:creationId xmlns:a16="http://schemas.microsoft.com/office/drawing/2014/main" id="{7FF74BC1-506E-5443-2416-E1E36BCDBD11}"/>
+                <a16:creationId xmlns:a16="http://schemas.microsoft.com/office/drawing/2014/main" id="{15BCC0E9-FA14-5C9E-DDCB-6BB090298995}"/>
               </a:ext>
             </a:extLst>
           </p:cNvPr>
@@ -4131,7 +4253,21 @@
           <a:p>
             <a:r>
               <a:rPr lang="en-US" dirty="0"/>
-              <a:t>Forsaken because: too trivial</a:t>
+              <a:t>Method 1: Give piano.</a:t>
+            </a:r>
+          </a:p>
+          <a:p>
+            <a:r>
+              <a:rPr lang="en-US" dirty="0"/>
+              <a:t>Method 2: Don’t. The performer may synthesize arbitrary sounds / </a:t>
+            </a:r>
+            <a:r>
+              <a:rPr lang="en-US" dirty="0" err="1"/>
+              <a:t>encodec</a:t>
+            </a:r>
+            <a:r>
+              <a:rPr lang="en-US" dirty="0"/>
+              <a:t> tokens.</a:t>
             </a:r>
           </a:p>
         </p:txBody>
@@ -4139,7 +4275,7 @@
     </p:spTree>
     <p:extLst>
       <p:ext uri="{BB962C8B-B14F-4D97-AF65-F5344CB8AC3E}">
-        <p14:creationId xmlns:p14="http://schemas.microsoft.com/office/powerpoint/2010/main" val="2215059843"/>
+        <p14:creationId xmlns:p14="http://schemas.microsoft.com/office/powerpoint/2010/main" val="3214296937"/>
       </p:ext>
     </p:extLst>
   </p:cSld>
@@ -4171,7 +4307,7 @@
           <p:cNvPr id="2" name="Title 1">
             <a:extLst>
               <a:ext uri="{FF2B5EF4-FFF2-40B4-BE49-F238E27FC236}">
-                <a16:creationId xmlns:a16="http://schemas.microsoft.com/office/drawing/2014/main" id="{3474582A-FF1C-091D-C4C0-18F5185C18A6}"/>
+                <a16:creationId xmlns:a16="http://schemas.microsoft.com/office/drawing/2014/main" id="{E61403B4-A8A1-9037-53F9-2EADA3BC7D1A}"/>
               </a:ext>
             </a:extLst>
           </p:cNvPr>
@@ -4184,83 +4320,48 @@
         </p:nvSpPr>
         <p:spPr/>
         <p:txBody>
-          <a:bodyPr>
-            <a:normAutofit fontScale="90000"/>
-          </a:bodyPr>
+          <a:bodyPr/>
           <a:lstStyle/>
           <a:p>
             <a:r>
               <a:rPr lang="en-US" dirty="0"/>
-              <a:t>Forsaken experiment: </a:t>
-            </a:r>
-            <a:r>
-              <a:rPr lang="en-US" dirty="0" err="1"/>
-              <a:t>musicgen</a:t>
-            </a:r>
+              <a:t>Forsaken exp: numerically verify the correctness of RVQ grad estimation.</a:t>
+            </a:r>
+          </a:p>
+        </p:txBody>
+      </p:sp>
+      <p:sp>
+        <p:nvSpPr>
+          <p:cNvPr id="3" name="Content Placeholder 2">
+            <a:extLst>
+              <a:ext uri="{FF2B5EF4-FFF2-40B4-BE49-F238E27FC236}">
+                <a16:creationId xmlns:a16="http://schemas.microsoft.com/office/drawing/2014/main" id="{7FF74BC1-506E-5443-2416-E1E36BCDBD11}"/>
+              </a:ext>
+            </a:extLst>
+          </p:cNvPr>
+          <p:cNvSpPr>
+            <a:spLocks noGrp="1"/>
+          </p:cNvSpPr>
+          <p:nvPr>
+            <p:ph idx="1"/>
+          </p:nvPr>
+        </p:nvSpPr>
+        <p:spPr/>
+        <p:txBody>
+          <a:bodyPr/>
+          <a:lstStyle/>
+          <a:p>
             <a:r>
               <a:rPr lang="en-US" dirty="0"/>
-              <a:t> but every frame is the average of two sampled predictions.</a:t>
-            </a:r>
-          </a:p>
-        </p:txBody>
-      </p:sp>
-      <p:sp>
-        <p:nvSpPr>
-          <p:cNvPr id="3" name="Content Placeholder 2">
-            <a:extLst>
-              <a:ext uri="{FF2B5EF4-FFF2-40B4-BE49-F238E27FC236}">
-                <a16:creationId xmlns:a16="http://schemas.microsoft.com/office/drawing/2014/main" id="{E2E88549-83F9-64B5-A11A-3FE21D14C828}"/>
-              </a:ext>
-            </a:extLst>
-          </p:cNvPr>
-          <p:cNvSpPr>
-            <a:spLocks noGrp="1"/>
-          </p:cNvSpPr>
-          <p:nvPr>
-            <p:ph idx="1"/>
-          </p:nvPr>
-        </p:nvSpPr>
-        <p:spPr/>
-        <p:txBody>
-          <a:bodyPr/>
-          <a:lstStyle/>
-          <a:p>
-            <a:r>
-              <a:rPr lang="en-US" dirty="0"/>
-              <a:t>Dan’s intuition about music.</a:t>
-            </a:r>
-          </a:p>
-          <a:p>
-            <a:r>
-              <a:rPr lang="en-US" dirty="0"/>
-              <a:t>Prob of triggering per frame.</a:t>
-            </a:r>
-          </a:p>
-          <a:p>
-            <a:r>
-              <a:rPr lang="en-US" dirty="0"/>
-              <a:t>Forsaken because: </a:t>
-            </a:r>
-            <a:r>
-              <a:rPr lang="en-US" altLang="zh-CN" dirty="0"/>
-              <a:t>music gen </a:t>
-            </a:r>
-            <a:r>
-              <a:rPr lang="zh-CN" altLang="en-US" dirty="0"/>
-              <a:t>拧 </a:t>
-            </a:r>
-            <a:r>
-              <a:rPr lang="en-US" altLang="zh-CN" dirty="0"/>
-              <a:t>(RVQ tokens are offset during autoregression). Not clear how to implement this exp.</a:t>
-            </a:r>
-            <a:endParaRPr lang="en-US" dirty="0"/>
+              <a:t>Forsaken because: too trivial</a:t>
+            </a:r>
           </a:p>
         </p:txBody>
       </p:sp>
     </p:spTree>
     <p:extLst>
       <p:ext uri="{BB962C8B-B14F-4D97-AF65-F5344CB8AC3E}">
-        <p14:creationId xmlns:p14="http://schemas.microsoft.com/office/powerpoint/2010/main" val="2473629010"/>
+        <p14:creationId xmlns:p14="http://schemas.microsoft.com/office/powerpoint/2010/main" val="2215059843"/>
       </p:ext>
     </p:extLst>
   </p:cSld>

--- a/main.pptx
+++ b/main.pptx
@@ -15,6 +15,7 @@
     <p:sldId id="263" r:id="rId9"/>
     <p:sldId id="258" r:id="rId10"/>
     <p:sldId id="259" r:id="rId11"/>
+    <p:sldId id="266" r:id="rId12"/>
   </p:sldIdLst>
   <p:sldSz cx="12192000" cy="6858000"/>
   <p:notesSz cx="6858000" cy="9144000"/>
@@ -268,7 +269,7 @@
           <a:p>
             <a:fld id="{6DA572BF-5C65-407A-A4EF-D894466553E5}" type="datetimeFigureOut">
               <a:rPr lang="en-US" smtClean="0"/>
-              <a:t>3/27/2024</a:t>
+              <a:t>4/10/2024</a:t>
             </a:fld>
             <a:endParaRPr lang="en-US"/>
           </a:p>
@@ -466,7 +467,7 @@
           <a:p>
             <a:fld id="{6DA572BF-5C65-407A-A4EF-D894466553E5}" type="datetimeFigureOut">
               <a:rPr lang="en-US" smtClean="0"/>
-              <a:t>3/27/2024</a:t>
+              <a:t>4/10/2024</a:t>
             </a:fld>
             <a:endParaRPr lang="en-US"/>
           </a:p>
@@ -674,7 +675,7 @@
           <a:p>
             <a:fld id="{6DA572BF-5C65-407A-A4EF-D894466553E5}" type="datetimeFigureOut">
               <a:rPr lang="en-US" smtClean="0"/>
-              <a:t>3/27/2024</a:t>
+              <a:t>4/10/2024</a:t>
             </a:fld>
             <a:endParaRPr lang="en-US"/>
           </a:p>
@@ -872,7 +873,7 @@
           <a:p>
             <a:fld id="{6DA572BF-5C65-407A-A4EF-D894466553E5}" type="datetimeFigureOut">
               <a:rPr lang="en-US" smtClean="0"/>
-              <a:t>3/27/2024</a:t>
+              <a:t>4/10/2024</a:t>
             </a:fld>
             <a:endParaRPr lang="en-US"/>
           </a:p>
@@ -1147,7 +1148,7 @@
           <a:p>
             <a:fld id="{6DA572BF-5C65-407A-A4EF-D894466553E5}" type="datetimeFigureOut">
               <a:rPr lang="en-US" smtClean="0"/>
-              <a:t>3/27/2024</a:t>
+              <a:t>4/10/2024</a:t>
             </a:fld>
             <a:endParaRPr lang="en-US"/>
           </a:p>
@@ -1412,7 +1413,7 @@
           <a:p>
             <a:fld id="{6DA572BF-5C65-407A-A4EF-D894466553E5}" type="datetimeFigureOut">
               <a:rPr lang="en-US" smtClean="0"/>
-              <a:t>3/27/2024</a:t>
+              <a:t>4/10/2024</a:t>
             </a:fld>
             <a:endParaRPr lang="en-US"/>
           </a:p>
@@ -1824,7 +1825,7 @@
           <a:p>
             <a:fld id="{6DA572BF-5C65-407A-A4EF-D894466553E5}" type="datetimeFigureOut">
               <a:rPr lang="en-US" smtClean="0"/>
-              <a:t>3/27/2024</a:t>
+              <a:t>4/10/2024</a:t>
             </a:fld>
             <a:endParaRPr lang="en-US"/>
           </a:p>
@@ -1965,7 +1966,7 @@
           <a:p>
             <a:fld id="{6DA572BF-5C65-407A-A4EF-D894466553E5}" type="datetimeFigureOut">
               <a:rPr lang="en-US" smtClean="0"/>
-              <a:t>3/27/2024</a:t>
+              <a:t>4/10/2024</a:t>
             </a:fld>
             <a:endParaRPr lang="en-US"/>
           </a:p>
@@ -2078,7 +2079,7 @@
           <a:p>
             <a:fld id="{6DA572BF-5C65-407A-A4EF-D894466553E5}" type="datetimeFigureOut">
               <a:rPr lang="en-US" smtClean="0"/>
-              <a:t>3/27/2024</a:t>
+              <a:t>4/10/2024</a:t>
             </a:fld>
             <a:endParaRPr lang="en-US"/>
           </a:p>
@@ -2389,7 +2390,7 @@
           <a:p>
             <a:fld id="{6DA572BF-5C65-407A-A4EF-D894466553E5}" type="datetimeFigureOut">
               <a:rPr lang="en-US" smtClean="0"/>
-              <a:t>3/27/2024</a:t>
+              <a:t>4/10/2024</a:t>
             </a:fld>
             <a:endParaRPr lang="en-US"/>
           </a:p>
@@ -2677,7 +2678,7 @@
           <a:p>
             <a:fld id="{6DA572BF-5C65-407A-A4EF-D894466553E5}" type="datetimeFigureOut">
               <a:rPr lang="en-US" smtClean="0"/>
-              <a:t>3/27/2024</a:t>
+              <a:t>4/10/2024</a:t>
             </a:fld>
             <a:endParaRPr lang="en-US"/>
           </a:p>
@@ -2918,7 +2919,7 @@
           <a:p>
             <a:fld id="{6DA572BF-5C65-407A-A4EF-D894466553E5}" type="datetimeFigureOut">
               <a:rPr lang="en-US" smtClean="0"/>
-              <a:t>3/27/2024</a:t>
+              <a:t>4/10/2024</a:t>
             </a:fld>
             <a:endParaRPr lang="en-US"/>
           </a:p>
@@ -3522,6 +3523,100 @@
 </p:sld>
 </file>
 
+<file path=ppt/slides/slide11.xml><?xml version="1.0" encoding="utf-8"?>
+<p:sld xmlns:a="http://schemas.openxmlformats.org/drawingml/2006/main" xmlns:r="http://schemas.openxmlformats.org/officeDocument/2006/relationships" xmlns:p="http://schemas.openxmlformats.org/presentationml/2006/main">
+  <p:cSld>
+    <p:spTree>
+      <p:nvGrpSpPr>
+        <p:cNvPr id="1" name=""/>
+        <p:cNvGrpSpPr/>
+        <p:nvPr/>
+      </p:nvGrpSpPr>
+      <p:grpSpPr>
+        <a:xfrm>
+          <a:off x="0" y="0"/>
+          <a:ext cx="0" cy="0"/>
+          <a:chOff x="0" y="0"/>
+          <a:chExt cx="0" cy="0"/>
+        </a:xfrm>
+      </p:grpSpPr>
+      <p:sp>
+        <p:nvSpPr>
+          <p:cNvPr id="2" name="Title 1">
+            <a:extLst>
+              <a:ext uri="{FF2B5EF4-FFF2-40B4-BE49-F238E27FC236}">
+                <a16:creationId xmlns:a16="http://schemas.microsoft.com/office/drawing/2014/main" id="{0B71D8A8-D06E-5429-8462-B658A7A1C765}"/>
+              </a:ext>
+            </a:extLst>
+          </p:cNvPr>
+          <p:cNvSpPr>
+            <a:spLocks noGrp="1"/>
+          </p:cNvSpPr>
+          <p:nvPr>
+            <p:ph type="title"/>
+          </p:nvPr>
+        </p:nvSpPr>
+        <p:spPr/>
+        <p:txBody>
+          <a:bodyPr/>
+          <a:lstStyle/>
+          <a:p>
+            <a:r>
+              <a:rPr lang="en-US" dirty="0"/>
+              <a:t>Done: make sure </a:t>
+            </a:r>
+            <a:r>
+              <a:rPr lang="en-US" dirty="0" err="1"/>
+              <a:t>encodec</a:t>
+            </a:r>
+            <a:r>
+              <a:rPr lang="en-US" dirty="0"/>
+              <a:t> doesn’t scale.</a:t>
+            </a:r>
+          </a:p>
+        </p:txBody>
+      </p:sp>
+      <p:sp>
+        <p:nvSpPr>
+          <p:cNvPr id="3" name="Content Placeholder 2">
+            <a:extLst>
+              <a:ext uri="{FF2B5EF4-FFF2-40B4-BE49-F238E27FC236}">
+                <a16:creationId xmlns:a16="http://schemas.microsoft.com/office/drawing/2014/main" id="{912805B2-D93C-3EDA-1EC0-291285F3F566}"/>
+              </a:ext>
+            </a:extLst>
+          </p:cNvPr>
+          <p:cNvSpPr>
+            <a:spLocks noGrp="1"/>
+          </p:cNvSpPr>
+          <p:nvPr>
+            <p:ph idx="1"/>
+          </p:nvPr>
+        </p:nvSpPr>
+        <p:spPr/>
+        <p:txBody>
+          <a:bodyPr/>
+          <a:lstStyle/>
+          <a:p>
+            <a:r>
+              <a:rPr lang="en-US" dirty="0"/>
+              <a:t>For both the piano and the interpreter.</a:t>
+            </a:r>
+          </a:p>
+        </p:txBody>
+      </p:sp>
+    </p:spTree>
+    <p:extLst>
+      <p:ext uri="{BB962C8B-B14F-4D97-AF65-F5344CB8AC3E}">
+        <p14:creationId xmlns:p14="http://schemas.microsoft.com/office/powerpoint/2010/main" val="1860253912"/>
+      </p:ext>
+    </p:extLst>
+  </p:cSld>
+  <p:clrMapOvr>
+    <a:masterClrMapping/>
+  </p:clrMapOvr>
+</p:sld>
+</file>
+
 <file path=ppt/slides/slide2.xml><?xml version="1.0" encoding="utf-8"?>
 <p:sld xmlns:a="http://schemas.openxmlformats.org/drawingml/2006/main" xmlns:r="http://schemas.openxmlformats.org/officeDocument/2006/relationships" xmlns:p="http://schemas.openxmlformats.org/presentationml/2006/main">
   <p:cSld>

--- a/main.pptx
+++ b/main.pptx
@@ -269,7 +269,7 @@
           <a:p>
             <a:fld id="{6DA572BF-5C65-407A-A4EF-D894466553E5}" type="datetimeFigureOut">
               <a:rPr lang="en-US" smtClean="0"/>
-              <a:t>4/10/2024</a:t>
+              <a:t>4/18/2024</a:t>
             </a:fld>
             <a:endParaRPr lang="en-US"/>
           </a:p>
@@ -467,7 +467,7 @@
           <a:p>
             <a:fld id="{6DA572BF-5C65-407A-A4EF-D894466553E5}" type="datetimeFigureOut">
               <a:rPr lang="en-US" smtClean="0"/>
-              <a:t>4/10/2024</a:t>
+              <a:t>4/18/2024</a:t>
             </a:fld>
             <a:endParaRPr lang="en-US"/>
           </a:p>
@@ -675,7 +675,7 @@
           <a:p>
             <a:fld id="{6DA572BF-5C65-407A-A4EF-D894466553E5}" type="datetimeFigureOut">
               <a:rPr lang="en-US" smtClean="0"/>
-              <a:t>4/10/2024</a:t>
+              <a:t>4/18/2024</a:t>
             </a:fld>
             <a:endParaRPr lang="en-US"/>
           </a:p>
@@ -873,7 +873,7 @@
           <a:p>
             <a:fld id="{6DA572BF-5C65-407A-A4EF-D894466553E5}" type="datetimeFigureOut">
               <a:rPr lang="en-US" smtClean="0"/>
-              <a:t>4/10/2024</a:t>
+              <a:t>4/18/2024</a:t>
             </a:fld>
             <a:endParaRPr lang="en-US"/>
           </a:p>
@@ -1148,7 +1148,7 @@
           <a:p>
             <a:fld id="{6DA572BF-5C65-407A-A4EF-D894466553E5}" type="datetimeFigureOut">
               <a:rPr lang="en-US" smtClean="0"/>
-              <a:t>4/10/2024</a:t>
+              <a:t>4/18/2024</a:t>
             </a:fld>
             <a:endParaRPr lang="en-US"/>
           </a:p>
@@ -1413,7 +1413,7 @@
           <a:p>
             <a:fld id="{6DA572BF-5C65-407A-A4EF-D894466553E5}" type="datetimeFigureOut">
               <a:rPr lang="en-US" smtClean="0"/>
-              <a:t>4/10/2024</a:t>
+              <a:t>4/18/2024</a:t>
             </a:fld>
             <a:endParaRPr lang="en-US"/>
           </a:p>
@@ -1825,7 +1825,7 @@
           <a:p>
             <a:fld id="{6DA572BF-5C65-407A-A4EF-D894466553E5}" type="datetimeFigureOut">
               <a:rPr lang="en-US" smtClean="0"/>
-              <a:t>4/10/2024</a:t>
+              <a:t>4/18/2024</a:t>
             </a:fld>
             <a:endParaRPr lang="en-US"/>
           </a:p>
@@ -1966,7 +1966,7 @@
           <a:p>
             <a:fld id="{6DA572BF-5C65-407A-A4EF-D894466553E5}" type="datetimeFigureOut">
               <a:rPr lang="en-US" smtClean="0"/>
-              <a:t>4/10/2024</a:t>
+              <a:t>4/18/2024</a:t>
             </a:fld>
             <a:endParaRPr lang="en-US"/>
           </a:p>
@@ -2079,7 +2079,7 @@
           <a:p>
             <a:fld id="{6DA572BF-5C65-407A-A4EF-D894466553E5}" type="datetimeFigureOut">
               <a:rPr lang="en-US" smtClean="0"/>
-              <a:t>4/10/2024</a:t>
+              <a:t>4/18/2024</a:t>
             </a:fld>
             <a:endParaRPr lang="en-US"/>
           </a:p>
@@ -2390,7 +2390,7 @@
           <a:p>
             <a:fld id="{6DA572BF-5C65-407A-A4EF-D894466553E5}" type="datetimeFigureOut">
               <a:rPr lang="en-US" smtClean="0"/>
-              <a:t>4/10/2024</a:t>
+              <a:t>4/18/2024</a:t>
             </a:fld>
             <a:endParaRPr lang="en-US"/>
           </a:p>
@@ -2678,7 +2678,7 @@
           <a:p>
             <a:fld id="{6DA572BF-5C65-407A-A4EF-D894466553E5}" type="datetimeFigureOut">
               <a:rPr lang="en-US" smtClean="0"/>
-              <a:t>4/10/2024</a:t>
+              <a:t>4/18/2024</a:t>
             </a:fld>
             <a:endParaRPr lang="en-US"/>
           </a:p>
@@ -2919,7 +2919,7 @@
           <a:p>
             <a:fld id="{6DA572BF-5C65-407A-A4EF-D894466553E5}" type="datetimeFigureOut">
               <a:rPr lang="en-US" smtClean="0"/>
-              <a:t>4/10/2024</a:t>
+              <a:t>4/18/2024</a:t>
             </a:fld>
             <a:endParaRPr lang="en-US"/>
           </a:p>
@@ -3953,7 +3953,7 @@
             </a:r>
             <a:r>
               <a:rPr lang="en-US" dirty="0"/>
-              <a:t>: performer output is logits VS polyphonic VS token</a:t>
+              <a:t>: interpreter output is logits VS polyphonic VS token</a:t>
             </a:r>
           </a:p>
         </p:txBody>
@@ -4134,7 +4134,7 @@
             </a:r>
             <a:r>
               <a:rPr lang="en-US" dirty="0"/>
-              <a:t>: transformer piano input encoder time/velocity input</a:t>
+              <a:t>: piano input encoder time/velocity input</a:t>
             </a:r>
           </a:p>
         </p:txBody>
